--- a/slides/060.pptx
+++ b/slides/060.pptx
@@ -8,6 +8,7 @@
     <p:sldId id="256" r:id="rId2"/>
     <p:sldId id="257" r:id="rId3"/>
     <p:sldId id="258" r:id="rId4"/>
+    <p:sldId id="259" r:id="rId5"/>
   </p:sldIdLst>
   <p:sldSz cx="12192000" cy="6858000"/>
   <p:notesSz cx="6858000" cy="9144000"/>
@@ -261,7 +262,7 @@
           <a:p>
             <a:fld id="{5AEC58D5-D0FD-5D43-AC21-2C9A8E377766}" type="datetimeFigureOut">
               <a:rPr lang="en-US" smtClean="0"/>
-              <a:t>2/11/18</a:t>
+              <a:t>2/12/18</a:t>
             </a:fld>
             <a:endParaRPr lang="en-US"/>
           </a:p>
@@ -459,7 +460,7 @@
           <a:p>
             <a:fld id="{5AEC58D5-D0FD-5D43-AC21-2C9A8E377766}" type="datetimeFigureOut">
               <a:rPr lang="en-US" smtClean="0"/>
-              <a:t>2/11/18</a:t>
+              <a:t>2/12/18</a:t>
             </a:fld>
             <a:endParaRPr lang="en-US"/>
           </a:p>
@@ -667,7 +668,7 @@
           <a:p>
             <a:fld id="{5AEC58D5-D0FD-5D43-AC21-2C9A8E377766}" type="datetimeFigureOut">
               <a:rPr lang="en-US" smtClean="0"/>
-              <a:t>2/11/18</a:t>
+              <a:t>2/12/18</a:t>
             </a:fld>
             <a:endParaRPr lang="en-US"/>
           </a:p>
@@ -865,7 +866,7 @@
           <a:p>
             <a:fld id="{5AEC58D5-D0FD-5D43-AC21-2C9A8E377766}" type="datetimeFigureOut">
               <a:rPr lang="en-US" smtClean="0"/>
-              <a:t>2/11/18</a:t>
+              <a:t>2/12/18</a:t>
             </a:fld>
             <a:endParaRPr lang="en-US"/>
           </a:p>
@@ -1140,7 +1141,7 @@
           <a:p>
             <a:fld id="{5AEC58D5-D0FD-5D43-AC21-2C9A8E377766}" type="datetimeFigureOut">
               <a:rPr lang="en-US" smtClean="0"/>
-              <a:t>2/11/18</a:t>
+              <a:t>2/12/18</a:t>
             </a:fld>
             <a:endParaRPr lang="en-US"/>
           </a:p>
@@ -1405,7 +1406,7 @@
           <a:p>
             <a:fld id="{5AEC58D5-D0FD-5D43-AC21-2C9A8E377766}" type="datetimeFigureOut">
               <a:rPr lang="en-US" smtClean="0"/>
-              <a:t>2/11/18</a:t>
+              <a:t>2/12/18</a:t>
             </a:fld>
             <a:endParaRPr lang="en-US"/>
           </a:p>
@@ -1817,7 +1818,7 @@
           <a:p>
             <a:fld id="{5AEC58D5-D0FD-5D43-AC21-2C9A8E377766}" type="datetimeFigureOut">
               <a:rPr lang="en-US" smtClean="0"/>
-              <a:t>2/11/18</a:t>
+              <a:t>2/12/18</a:t>
             </a:fld>
             <a:endParaRPr lang="en-US"/>
           </a:p>
@@ -1958,7 +1959,7 @@
           <a:p>
             <a:fld id="{5AEC58D5-D0FD-5D43-AC21-2C9A8E377766}" type="datetimeFigureOut">
               <a:rPr lang="en-US" smtClean="0"/>
-              <a:t>2/11/18</a:t>
+              <a:t>2/12/18</a:t>
             </a:fld>
             <a:endParaRPr lang="en-US"/>
           </a:p>
@@ -2071,7 +2072,7 @@
           <a:p>
             <a:fld id="{5AEC58D5-D0FD-5D43-AC21-2C9A8E377766}" type="datetimeFigureOut">
               <a:rPr lang="en-US" smtClean="0"/>
-              <a:t>2/11/18</a:t>
+              <a:t>2/12/18</a:t>
             </a:fld>
             <a:endParaRPr lang="en-US"/>
           </a:p>
@@ -2382,7 +2383,7 @@
           <a:p>
             <a:fld id="{5AEC58D5-D0FD-5D43-AC21-2C9A8E377766}" type="datetimeFigureOut">
               <a:rPr lang="en-US" smtClean="0"/>
-              <a:t>2/11/18</a:t>
+              <a:t>2/12/18</a:t>
             </a:fld>
             <a:endParaRPr lang="en-US"/>
           </a:p>
@@ -2670,7 +2671,7 @@
           <a:p>
             <a:fld id="{5AEC58D5-D0FD-5D43-AC21-2C9A8E377766}" type="datetimeFigureOut">
               <a:rPr lang="en-US" smtClean="0"/>
-              <a:t>2/11/18</a:t>
+              <a:t>2/12/18</a:t>
             </a:fld>
             <a:endParaRPr lang="en-US"/>
           </a:p>
@@ -2911,7 +2912,7 @@
           <a:p>
             <a:fld id="{5AEC58D5-D0FD-5D43-AC21-2C9A8E377766}" type="datetimeFigureOut">
               <a:rPr lang="en-US" smtClean="0"/>
-              <a:t>2/11/18</a:t>
+              <a:t>2/12/18</a:t>
             </a:fld>
             <a:endParaRPr lang="en-US"/>
           </a:p>
@@ -5851,6 +5852,1262 @@
 </p:sld>
 </file>
 
+<file path=ppt/slides/slide4.xml><?xml version="1.0" encoding="utf-8"?>
+<p:sld xmlns:a="http://schemas.openxmlformats.org/drawingml/2006/main" xmlns:r="http://schemas.openxmlformats.org/officeDocument/2006/relationships" xmlns:p="http://schemas.openxmlformats.org/presentationml/2006/main">
+  <p:cSld>
+    <p:spTree>
+      <p:nvGrpSpPr>
+        <p:cNvPr id="1" name=""/>
+        <p:cNvGrpSpPr/>
+        <p:nvPr/>
+      </p:nvGrpSpPr>
+      <p:grpSpPr>
+        <a:xfrm>
+          <a:off x="0" y="0"/>
+          <a:ext cx="0" cy="0"/>
+          <a:chOff x="0" y="0"/>
+          <a:chExt cx="0" cy="0"/>
+        </a:xfrm>
+      </p:grpSpPr>
+      <p:cxnSp>
+        <p:nvCxnSpPr>
+          <p:cNvPr id="7" name="Straight Arrow Connector 6">
+            <a:extLst>
+              <a:ext uri="{FF2B5EF4-FFF2-40B4-BE49-F238E27FC236}">
+                <a16:creationId xmlns:a16="http://schemas.microsoft.com/office/drawing/2014/main" id="{0D50CAA3-AAD5-FD4E-A7A3-4DD8A6EEF0D2}"/>
+              </a:ext>
+            </a:extLst>
+          </p:cNvPr>
+          <p:cNvCxnSpPr>
+            <a:cxnSpLocks/>
+          </p:cNvCxnSpPr>
+          <p:nvPr/>
+        </p:nvCxnSpPr>
+        <p:spPr>
+          <a:xfrm>
+            <a:off x="730891" y="1863202"/>
+            <a:ext cx="1087655" cy="0"/>
+          </a:xfrm>
+          <a:prstGeom prst="straightConnector1">
+            <a:avLst/>
+          </a:prstGeom>
+          <a:ln w="76200">
+            <a:solidFill>
+              <a:schemeClr val="tx1"/>
+            </a:solidFill>
+            <a:tailEnd type="triangle"/>
+          </a:ln>
+        </p:spPr>
+        <p:style>
+          <a:lnRef idx="1">
+            <a:schemeClr val="accent1"/>
+          </a:lnRef>
+          <a:fillRef idx="0">
+            <a:schemeClr val="accent1"/>
+          </a:fillRef>
+          <a:effectRef idx="0">
+            <a:schemeClr val="accent1"/>
+          </a:effectRef>
+          <a:fontRef idx="minor">
+            <a:schemeClr val="tx1"/>
+          </a:fontRef>
+        </p:style>
+      </p:cxnSp>
+      <p:sp>
+        <p:nvSpPr>
+          <p:cNvPr id="10" name="Diamond 9">
+            <a:extLst>
+              <a:ext uri="{FF2B5EF4-FFF2-40B4-BE49-F238E27FC236}">
+                <a16:creationId xmlns:a16="http://schemas.microsoft.com/office/drawing/2014/main" id="{10EC6647-6687-9044-9CB9-9282BCE5F8A1}"/>
+              </a:ext>
+            </a:extLst>
+          </p:cNvPr>
+          <p:cNvSpPr/>
+          <p:nvPr/>
+        </p:nvSpPr>
+        <p:spPr>
+          <a:xfrm>
+            <a:off x="2049553" y="1471417"/>
+            <a:ext cx="2425567" cy="789272"/>
+          </a:xfrm>
+          <a:prstGeom prst="diamond">
+            <a:avLst/>
+          </a:prstGeom>
+          <a:solidFill>
+            <a:schemeClr val="accent3"/>
+          </a:solidFill>
+          <a:ln>
+            <a:noFill/>
+          </a:ln>
+        </p:spPr>
+        <p:style>
+          <a:lnRef idx="2">
+            <a:schemeClr val="accent1">
+              <a:shade val="50000"/>
+            </a:schemeClr>
+          </a:lnRef>
+          <a:fillRef idx="1">
+            <a:schemeClr val="accent1"/>
+          </a:fillRef>
+          <a:effectRef idx="0">
+            <a:schemeClr val="accent1"/>
+          </a:effectRef>
+          <a:fontRef idx="minor">
+            <a:schemeClr val="lt1"/>
+          </a:fontRef>
+        </p:style>
+        <p:txBody>
+          <a:bodyPr rtlCol="0" anchor="ctr"/>
+          <a:lstStyle/>
+          <a:p>
+            <a:pPr algn="ctr"/>
+            <a:endParaRPr lang="en-US"/>
+          </a:p>
+        </p:txBody>
+      </p:sp>
+      <p:cxnSp>
+        <p:nvCxnSpPr>
+          <p:cNvPr id="32" name="Straight Arrow Connector 31">
+            <a:extLst>
+              <a:ext uri="{FF2B5EF4-FFF2-40B4-BE49-F238E27FC236}">
+                <a16:creationId xmlns:a16="http://schemas.microsoft.com/office/drawing/2014/main" id="{577B62CC-4EE1-8740-9D6A-DD69548BC3E9}"/>
+              </a:ext>
+            </a:extLst>
+          </p:cNvPr>
+          <p:cNvCxnSpPr>
+            <a:cxnSpLocks/>
+          </p:cNvCxnSpPr>
+          <p:nvPr/>
+        </p:nvCxnSpPr>
+        <p:spPr>
+          <a:xfrm flipV="1">
+            <a:off x="4671636" y="1842376"/>
+            <a:ext cx="901389" cy="1"/>
+          </a:xfrm>
+          <a:prstGeom prst="straightConnector1">
+            <a:avLst/>
+          </a:prstGeom>
+          <a:ln w="76200">
+            <a:solidFill>
+              <a:schemeClr val="tx1"/>
+            </a:solidFill>
+            <a:tailEnd type="triangle"/>
+          </a:ln>
+        </p:spPr>
+        <p:style>
+          <a:lnRef idx="1">
+            <a:schemeClr val="accent1"/>
+          </a:lnRef>
+          <a:fillRef idx="0">
+            <a:schemeClr val="accent1"/>
+          </a:fillRef>
+          <a:effectRef idx="0">
+            <a:schemeClr val="accent1"/>
+          </a:effectRef>
+          <a:fontRef idx="minor">
+            <a:schemeClr val="tx1"/>
+          </a:fontRef>
+        </p:style>
+      </p:cxnSp>
+      <p:cxnSp>
+        <p:nvCxnSpPr>
+          <p:cNvPr id="38" name="Straight Arrow Connector 37">
+            <a:extLst>
+              <a:ext uri="{FF2B5EF4-FFF2-40B4-BE49-F238E27FC236}">
+                <a16:creationId xmlns:a16="http://schemas.microsoft.com/office/drawing/2014/main" id="{45CED15A-137F-FD40-BFEC-B4CA5A9A2257}"/>
+              </a:ext>
+            </a:extLst>
+          </p:cNvPr>
+          <p:cNvCxnSpPr>
+            <a:cxnSpLocks/>
+          </p:cNvCxnSpPr>
+          <p:nvPr/>
+        </p:nvCxnSpPr>
+        <p:spPr>
+          <a:xfrm>
+            <a:off x="3262336" y="2410020"/>
+            <a:ext cx="0" cy="667918"/>
+          </a:xfrm>
+          <a:prstGeom prst="straightConnector1">
+            <a:avLst/>
+          </a:prstGeom>
+          <a:ln w="76200">
+            <a:solidFill>
+              <a:schemeClr val="tx1"/>
+            </a:solidFill>
+            <a:tailEnd type="triangle"/>
+          </a:ln>
+        </p:spPr>
+        <p:style>
+          <a:lnRef idx="1">
+            <a:schemeClr val="accent1"/>
+          </a:lnRef>
+          <a:fillRef idx="0">
+            <a:schemeClr val="accent1"/>
+          </a:fillRef>
+          <a:effectRef idx="0">
+            <a:schemeClr val="accent1"/>
+          </a:effectRef>
+          <a:fontRef idx="minor">
+            <a:schemeClr val="tx1"/>
+          </a:fontRef>
+        </p:style>
+      </p:cxnSp>
+      <p:sp>
+        <p:nvSpPr>
+          <p:cNvPr id="16" name="TextBox 15">
+            <a:extLst>
+              <a:ext uri="{FF2B5EF4-FFF2-40B4-BE49-F238E27FC236}">
+                <a16:creationId xmlns:a16="http://schemas.microsoft.com/office/drawing/2014/main" id="{FC7B1B63-214C-924A-9330-43C6EA74673D}"/>
+              </a:ext>
+            </a:extLst>
+          </p:cNvPr>
+          <p:cNvSpPr txBox="1"/>
+          <p:nvPr/>
+        </p:nvSpPr>
+        <p:spPr>
+          <a:xfrm>
+            <a:off x="2572083" y="1665998"/>
+            <a:ext cx="1380506" cy="400110"/>
+          </a:xfrm>
+          <a:prstGeom prst="rect">
+            <a:avLst/>
+          </a:prstGeom>
+          <a:noFill/>
+        </p:spPr>
+        <p:txBody>
+          <a:bodyPr wrap="none" rtlCol="0">
+            <a:spAutoFit/>
+          </a:bodyPr>
+          <a:lstStyle/>
+          <a:p>
+            <a:r>
+              <a:rPr lang="en-US" altLang="ja-JP" sz="2000" b="1" dirty="0">
+                <a:solidFill>
+                  <a:schemeClr val="bg1"/>
+                </a:solidFill>
+                <a:latin typeface="Yu Gothic" panose="020B0400000000000000" pitchFamily="34" charset="-128"/>
+                <a:ea typeface="Yu Gothic" panose="020B0400000000000000" pitchFamily="34" charset="-128"/>
+              </a:rPr>
+              <a:t>if</a:t>
+            </a:r>
+            <a:r>
+              <a:rPr lang="ja-JP" altLang="en-US" sz="2000" b="1" dirty="0">
+                <a:solidFill>
+                  <a:schemeClr val="bg1"/>
+                </a:solidFill>
+                <a:latin typeface="Yu Gothic" panose="020B0400000000000000" pitchFamily="34" charset="-128"/>
+                <a:ea typeface="Yu Gothic" panose="020B0400000000000000" pitchFamily="34" charset="-128"/>
+              </a:rPr>
+              <a:t>の条件式</a:t>
+            </a:r>
+            <a:endParaRPr lang="en-US" sz="2000" b="1" dirty="0">
+              <a:solidFill>
+                <a:schemeClr val="bg1"/>
+              </a:solidFill>
+              <a:latin typeface="Yu Gothic" panose="020B0400000000000000" pitchFamily="34" charset="-128"/>
+              <a:ea typeface="Yu Gothic" panose="020B0400000000000000" pitchFamily="34" charset="-128"/>
+            </a:endParaRPr>
+          </a:p>
+        </p:txBody>
+      </p:sp>
+      <p:sp>
+        <p:nvSpPr>
+          <p:cNvPr id="17" name="TextBox 16">
+            <a:extLst>
+              <a:ext uri="{FF2B5EF4-FFF2-40B4-BE49-F238E27FC236}">
+                <a16:creationId xmlns:a16="http://schemas.microsoft.com/office/drawing/2014/main" id="{674384F2-224A-964D-B408-4896EECAC536}"/>
+              </a:ext>
+            </a:extLst>
+          </p:cNvPr>
+          <p:cNvSpPr txBox="1"/>
+          <p:nvPr/>
+        </p:nvSpPr>
+        <p:spPr>
+          <a:xfrm>
+            <a:off x="4671636" y="1238973"/>
+            <a:ext cx="878767" cy="461665"/>
+          </a:xfrm>
+          <a:prstGeom prst="rect">
+            <a:avLst/>
+          </a:prstGeom>
+          <a:noFill/>
+        </p:spPr>
+        <p:txBody>
+          <a:bodyPr wrap="none" rtlCol="0">
+            <a:spAutoFit/>
+          </a:bodyPr>
+          <a:lstStyle/>
+          <a:p>
+            <a:r>
+              <a:rPr lang="en-US" sz="2400" b="1" dirty="0">
+                <a:latin typeface="Yu Gothic" panose="020B0400000000000000" pitchFamily="34" charset="-128"/>
+                <a:ea typeface="Yu Gothic" panose="020B0400000000000000" pitchFamily="34" charset="-128"/>
+              </a:rPr>
+              <a:t>True</a:t>
+            </a:r>
+          </a:p>
+        </p:txBody>
+      </p:sp>
+      <p:sp>
+        <p:nvSpPr>
+          <p:cNvPr id="40" name="TextBox 39">
+            <a:extLst>
+              <a:ext uri="{FF2B5EF4-FFF2-40B4-BE49-F238E27FC236}">
+                <a16:creationId xmlns:a16="http://schemas.microsoft.com/office/drawing/2014/main" id="{E86FCF55-1C3B-C847-925F-96B3C639E7D5}"/>
+              </a:ext>
+            </a:extLst>
+          </p:cNvPr>
+          <p:cNvSpPr txBox="1"/>
+          <p:nvPr/>
+        </p:nvSpPr>
+        <p:spPr>
+          <a:xfrm>
+            <a:off x="3456299" y="2513146"/>
+            <a:ext cx="992579" cy="461665"/>
+          </a:xfrm>
+          <a:prstGeom prst="rect">
+            <a:avLst/>
+          </a:prstGeom>
+          <a:noFill/>
+        </p:spPr>
+        <p:txBody>
+          <a:bodyPr wrap="none" rtlCol="0">
+            <a:spAutoFit/>
+          </a:bodyPr>
+          <a:lstStyle/>
+          <a:p>
+            <a:r>
+              <a:rPr lang="en-US" sz="2400" b="1" dirty="0">
+                <a:latin typeface="Yu Gothic" panose="020B0400000000000000" pitchFamily="34" charset="-128"/>
+                <a:ea typeface="Yu Gothic" panose="020B0400000000000000" pitchFamily="34" charset="-128"/>
+              </a:rPr>
+              <a:t>False</a:t>
+            </a:r>
+          </a:p>
+        </p:txBody>
+      </p:sp>
+      <p:sp>
+        <p:nvSpPr>
+          <p:cNvPr id="42" name="Rectangle 41">
+            <a:extLst>
+              <a:ext uri="{FF2B5EF4-FFF2-40B4-BE49-F238E27FC236}">
+                <a16:creationId xmlns:a16="http://schemas.microsoft.com/office/drawing/2014/main" id="{3ACC1303-4D10-EF4F-ABE7-A0C9942469CE}"/>
+              </a:ext>
+            </a:extLst>
+          </p:cNvPr>
+          <p:cNvSpPr/>
+          <p:nvPr/>
+        </p:nvSpPr>
+        <p:spPr>
+          <a:xfrm>
+            <a:off x="5856672" y="1511880"/>
+            <a:ext cx="2646878" cy="702644"/>
+          </a:xfrm>
+          <a:prstGeom prst="rect">
+            <a:avLst/>
+          </a:prstGeom>
+          <a:ln>
+            <a:noFill/>
+          </a:ln>
+        </p:spPr>
+        <p:style>
+          <a:lnRef idx="2">
+            <a:schemeClr val="accent1">
+              <a:shade val="50000"/>
+            </a:schemeClr>
+          </a:lnRef>
+          <a:fillRef idx="1">
+            <a:schemeClr val="accent1"/>
+          </a:fillRef>
+          <a:effectRef idx="0">
+            <a:schemeClr val="accent1"/>
+          </a:effectRef>
+          <a:fontRef idx="minor">
+            <a:schemeClr val="lt1"/>
+          </a:fontRef>
+        </p:style>
+        <p:txBody>
+          <a:bodyPr rtlCol="0" anchor="ctr"/>
+          <a:lstStyle/>
+          <a:p>
+            <a:pPr algn="ctr"/>
+            <a:endParaRPr lang="en-US"/>
+          </a:p>
+        </p:txBody>
+      </p:sp>
+      <p:sp>
+        <p:nvSpPr>
+          <p:cNvPr id="43" name="TextBox 42">
+            <a:extLst>
+              <a:ext uri="{FF2B5EF4-FFF2-40B4-BE49-F238E27FC236}">
+                <a16:creationId xmlns:a16="http://schemas.microsoft.com/office/drawing/2014/main" id="{799EF819-D375-5149-828E-0C21F3617693}"/>
+              </a:ext>
+            </a:extLst>
+          </p:cNvPr>
+          <p:cNvSpPr txBox="1"/>
+          <p:nvPr/>
+        </p:nvSpPr>
+        <p:spPr>
+          <a:xfrm>
+            <a:off x="6136432" y="1700638"/>
+            <a:ext cx="2183611" cy="369332"/>
+          </a:xfrm>
+          <a:prstGeom prst="rect">
+            <a:avLst/>
+          </a:prstGeom>
+          <a:noFill/>
+        </p:spPr>
+        <p:txBody>
+          <a:bodyPr wrap="none" rtlCol="0">
+            <a:spAutoFit/>
+          </a:bodyPr>
+          <a:lstStyle/>
+          <a:p>
+            <a:r>
+              <a:rPr lang="en-US" b="1" dirty="0">
+                <a:solidFill>
+                  <a:schemeClr val="bg1"/>
+                </a:solidFill>
+                <a:latin typeface="Yu Gothic" panose="020B0400000000000000" pitchFamily="34" charset="-128"/>
+                <a:ea typeface="Yu Gothic" panose="020B0400000000000000" pitchFamily="34" charset="-128"/>
+              </a:rPr>
+              <a:t>if</a:t>
+            </a:r>
+            <a:r>
+              <a:rPr lang="ja-JP" altLang="en-US" b="1" dirty="0">
+                <a:solidFill>
+                  <a:schemeClr val="bg1"/>
+                </a:solidFill>
+                <a:latin typeface="Yu Gothic" panose="020B0400000000000000" pitchFamily="34" charset="-128"/>
+                <a:ea typeface="Yu Gothic" panose="020B0400000000000000" pitchFamily="34" charset="-128"/>
+              </a:rPr>
+              <a:t>のコードブロック</a:t>
+            </a:r>
+            <a:endParaRPr lang="en-US" b="1" dirty="0">
+              <a:solidFill>
+                <a:schemeClr val="bg1"/>
+              </a:solidFill>
+              <a:latin typeface="Yu Gothic" panose="020B0400000000000000" pitchFamily="34" charset="-128"/>
+              <a:ea typeface="Yu Gothic" panose="020B0400000000000000" pitchFamily="34" charset="-128"/>
+            </a:endParaRPr>
+          </a:p>
+        </p:txBody>
+      </p:sp>
+      <p:sp>
+        <p:nvSpPr>
+          <p:cNvPr id="44" name="Rectangle 43">
+            <a:extLst>
+              <a:ext uri="{FF2B5EF4-FFF2-40B4-BE49-F238E27FC236}">
+                <a16:creationId xmlns:a16="http://schemas.microsoft.com/office/drawing/2014/main" id="{59E41B2B-53DD-9E46-84BD-0EEA861D9732}"/>
+              </a:ext>
+            </a:extLst>
+          </p:cNvPr>
+          <p:cNvSpPr/>
+          <p:nvPr/>
+        </p:nvSpPr>
+        <p:spPr>
+          <a:xfrm>
+            <a:off x="5857897" y="3188628"/>
+            <a:ext cx="2665680" cy="702644"/>
+          </a:xfrm>
+          <a:prstGeom prst="rect">
+            <a:avLst/>
+          </a:prstGeom>
+          <a:ln>
+            <a:noFill/>
+          </a:ln>
+        </p:spPr>
+        <p:style>
+          <a:lnRef idx="2">
+            <a:schemeClr val="accent1">
+              <a:shade val="50000"/>
+            </a:schemeClr>
+          </a:lnRef>
+          <a:fillRef idx="1">
+            <a:schemeClr val="accent1"/>
+          </a:fillRef>
+          <a:effectRef idx="0">
+            <a:schemeClr val="accent1"/>
+          </a:effectRef>
+          <a:fontRef idx="minor">
+            <a:schemeClr val="lt1"/>
+          </a:fontRef>
+        </p:style>
+        <p:txBody>
+          <a:bodyPr rtlCol="0" anchor="ctr"/>
+          <a:lstStyle/>
+          <a:p>
+            <a:pPr algn="ctr"/>
+            <a:endParaRPr lang="en-US"/>
+          </a:p>
+        </p:txBody>
+      </p:sp>
+      <p:sp>
+        <p:nvSpPr>
+          <p:cNvPr id="45" name="TextBox 44">
+            <a:extLst>
+              <a:ext uri="{FF2B5EF4-FFF2-40B4-BE49-F238E27FC236}">
+                <a16:creationId xmlns:a16="http://schemas.microsoft.com/office/drawing/2014/main" id="{101FDF87-7FBB-744D-84C4-81647E00E319}"/>
+              </a:ext>
+            </a:extLst>
+          </p:cNvPr>
+          <p:cNvSpPr txBox="1"/>
+          <p:nvPr/>
+        </p:nvSpPr>
+        <p:spPr>
+          <a:xfrm>
+            <a:off x="6025817" y="3355283"/>
+            <a:ext cx="2385589" cy="369332"/>
+          </a:xfrm>
+          <a:prstGeom prst="rect">
+            <a:avLst/>
+          </a:prstGeom>
+          <a:noFill/>
+        </p:spPr>
+        <p:txBody>
+          <a:bodyPr wrap="none" rtlCol="0">
+            <a:spAutoFit/>
+          </a:bodyPr>
+          <a:lstStyle/>
+          <a:p>
+            <a:r>
+              <a:rPr lang="en-US" b="1" dirty="0">
+                <a:solidFill>
+                  <a:schemeClr val="bg1"/>
+                </a:solidFill>
+                <a:latin typeface="Yu Gothic" panose="020B0400000000000000" pitchFamily="34" charset="-128"/>
+                <a:ea typeface="Yu Gothic" panose="020B0400000000000000" pitchFamily="34" charset="-128"/>
+              </a:rPr>
+              <a:t>elif</a:t>
+            </a:r>
+            <a:r>
+              <a:rPr lang="ja-JP" altLang="en-US" b="1" dirty="0">
+                <a:solidFill>
+                  <a:schemeClr val="bg1"/>
+                </a:solidFill>
+                <a:latin typeface="Yu Gothic" panose="020B0400000000000000" pitchFamily="34" charset="-128"/>
+                <a:ea typeface="Yu Gothic" panose="020B0400000000000000" pitchFamily="34" charset="-128"/>
+              </a:rPr>
+              <a:t>のコードブロック</a:t>
+            </a:r>
+            <a:endParaRPr lang="en-US" b="1" dirty="0">
+              <a:solidFill>
+                <a:schemeClr val="bg1"/>
+              </a:solidFill>
+              <a:latin typeface="Yu Gothic" panose="020B0400000000000000" pitchFamily="34" charset="-128"/>
+              <a:ea typeface="Yu Gothic" panose="020B0400000000000000" pitchFamily="34" charset="-128"/>
+            </a:endParaRPr>
+          </a:p>
+        </p:txBody>
+      </p:sp>
+      <p:cxnSp>
+        <p:nvCxnSpPr>
+          <p:cNvPr id="51" name="Straight Arrow Connector 50">
+            <a:extLst>
+              <a:ext uri="{FF2B5EF4-FFF2-40B4-BE49-F238E27FC236}">
+                <a16:creationId xmlns:a16="http://schemas.microsoft.com/office/drawing/2014/main" id="{014C9B24-DF8B-3B45-B951-D1F949786E76}"/>
+              </a:ext>
+            </a:extLst>
+          </p:cNvPr>
+          <p:cNvCxnSpPr>
+            <a:cxnSpLocks/>
+          </p:cNvCxnSpPr>
+          <p:nvPr/>
+        </p:nvCxnSpPr>
+        <p:spPr>
+          <a:xfrm>
+            <a:off x="3218748" y="5267323"/>
+            <a:ext cx="2375833" cy="1"/>
+          </a:xfrm>
+          <a:prstGeom prst="straightConnector1">
+            <a:avLst/>
+          </a:prstGeom>
+          <a:ln w="76200">
+            <a:solidFill>
+              <a:schemeClr val="tx1"/>
+            </a:solidFill>
+            <a:tailEnd type="triangle"/>
+          </a:ln>
+        </p:spPr>
+        <p:style>
+          <a:lnRef idx="1">
+            <a:schemeClr val="accent1"/>
+          </a:lnRef>
+          <a:fillRef idx="0">
+            <a:schemeClr val="accent1"/>
+          </a:fillRef>
+          <a:effectRef idx="0">
+            <a:schemeClr val="accent1"/>
+          </a:effectRef>
+          <a:fontRef idx="minor">
+            <a:schemeClr val="tx1"/>
+          </a:fontRef>
+        </p:style>
+      </p:cxnSp>
+      <p:cxnSp>
+        <p:nvCxnSpPr>
+          <p:cNvPr id="52" name="Straight Arrow Connector 51">
+            <a:extLst>
+              <a:ext uri="{FF2B5EF4-FFF2-40B4-BE49-F238E27FC236}">
+                <a16:creationId xmlns:a16="http://schemas.microsoft.com/office/drawing/2014/main" id="{CD48A2C8-DD41-BC4C-8DEB-2CA0E2ADFE04}"/>
+              </a:ext>
+            </a:extLst>
+          </p:cNvPr>
+          <p:cNvCxnSpPr>
+            <a:cxnSpLocks/>
+          </p:cNvCxnSpPr>
+          <p:nvPr/>
+        </p:nvCxnSpPr>
+        <p:spPr>
+          <a:xfrm>
+            <a:off x="8718375" y="3578214"/>
+            <a:ext cx="1368899" cy="0"/>
+          </a:xfrm>
+          <a:prstGeom prst="straightConnector1">
+            <a:avLst/>
+          </a:prstGeom>
+          <a:ln w="76200">
+            <a:solidFill>
+              <a:schemeClr val="tx1"/>
+            </a:solidFill>
+            <a:tailEnd type="triangle"/>
+          </a:ln>
+        </p:spPr>
+        <p:style>
+          <a:lnRef idx="1">
+            <a:schemeClr val="accent1"/>
+          </a:lnRef>
+          <a:fillRef idx="0">
+            <a:schemeClr val="accent1"/>
+          </a:fillRef>
+          <a:effectRef idx="0">
+            <a:schemeClr val="accent1"/>
+          </a:effectRef>
+          <a:fontRef idx="minor">
+            <a:schemeClr val="tx1"/>
+          </a:fontRef>
+        </p:style>
+      </p:cxnSp>
+      <p:sp>
+        <p:nvSpPr>
+          <p:cNvPr id="54" name="Rectangle 53">
+            <a:extLst>
+              <a:ext uri="{FF2B5EF4-FFF2-40B4-BE49-F238E27FC236}">
+                <a16:creationId xmlns:a16="http://schemas.microsoft.com/office/drawing/2014/main" id="{D04C8644-71E2-4746-9273-336D62D12426}"/>
+              </a:ext>
+            </a:extLst>
+          </p:cNvPr>
+          <p:cNvSpPr/>
+          <p:nvPr/>
+        </p:nvSpPr>
+        <p:spPr>
+          <a:xfrm>
+            <a:off x="10308030" y="3188628"/>
+            <a:ext cx="1214012" cy="702644"/>
+          </a:xfrm>
+          <a:prstGeom prst="rect">
+            <a:avLst/>
+          </a:prstGeom>
+          <a:ln>
+            <a:noFill/>
+          </a:ln>
+        </p:spPr>
+        <p:style>
+          <a:lnRef idx="2">
+            <a:schemeClr val="accent1">
+              <a:shade val="50000"/>
+            </a:schemeClr>
+          </a:lnRef>
+          <a:fillRef idx="1">
+            <a:schemeClr val="accent1"/>
+          </a:fillRef>
+          <a:effectRef idx="0">
+            <a:schemeClr val="accent1"/>
+          </a:effectRef>
+          <a:fontRef idx="minor">
+            <a:schemeClr val="lt1"/>
+          </a:fontRef>
+        </p:style>
+        <p:txBody>
+          <a:bodyPr rtlCol="0" anchor="ctr"/>
+          <a:lstStyle/>
+          <a:p>
+            <a:pPr algn="ctr"/>
+            <a:endParaRPr lang="en-US"/>
+          </a:p>
+        </p:txBody>
+      </p:sp>
+      <p:sp>
+        <p:nvSpPr>
+          <p:cNvPr id="55" name="TextBox 54">
+            <a:extLst>
+              <a:ext uri="{FF2B5EF4-FFF2-40B4-BE49-F238E27FC236}">
+                <a16:creationId xmlns:a16="http://schemas.microsoft.com/office/drawing/2014/main" id="{BD6B6A86-D9B1-FF44-8E88-EDA58246D3C0}"/>
+              </a:ext>
+            </a:extLst>
+          </p:cNvPr>
+          <p:cNvSpPr txBox="1"/>
+          <p:nvPr/>
+        </p:nvSpPr>
+        <p:spPr>
+          <a:xfrm>
+            <a:off x="10361038" y="3384159"/>
+            <a:ext cx="1107996" cy="369332"/>
+          </a:xfrm>
+          <a:prstGeom prst="rect">
+            <a:avLst/>
+          </a:prstGeom>
+          <a:noFill/>
+        </p:spPr>
+        <p:txBody>
+          <a:bodyPr wrap="none" rtlCol="0">
+            <a:spAutoFit/>
+          </a:bodyPr>
+          <a:lstStyle/>
+          <a:p>
+            <a:r>
+              <a:rPr lang="ja-JP" altLang="en-US" b="1" dirty="0">
+                <a:solidFill>
+                  <a:schemeClr val="bg1"/>
+                </a:solidFill>
+                <a:latin typeface="Yu Gothic" panose="020B0400000000000000" pitchFamily="34" charset="-128"/>
+                <a:ea typeface="Yu Gothic" panose="020B0400000000000000" pitchFamily="34" charset="-128"/>
+              </a:rPr>
+              <a:t>共通処理</a:t>
+            </a:r>
+            <a:endParaRPr lang="en-US" b="1" dirty="0">
+              <a:solidFill>
+                <a:schemeClr val="bg1"/>
+              </a:solidFill>
+              <a:latin typeface="Yu Gothic" panose="020B0400000000000000" pitchFamily="34" charset="-128"/>
+              <a:ea typeface="Yu Gothic" panose="020B0400000000000000" pitchFamily="34" charset="-128"/>
+            </a:endParaRPr>
+          </a:p>
+        </p:txBody>
+      </p:sp>
+      <p:sp>
+        <p:nvSpPr>
+          <p:cNvPr id="19" name="Diamond 18">
+            <a:extLst>
+              <a:ext uri="{FF2B5EF4-FFF2-40B4-BE49-F238E27FC236}">
+                <a16:creationId xmlns:a16="http://schemas.microsoft.com/office/drawing/2014/main" id="{199966EA-745A-BF41-9951-2EE4029438C8}"/>
+              </a:ext>
+            </a:extLst>
+          </p:cNvPr>
+          <p:cNvSpPr/>
+          <p:nvPr/>
+        </p:nvSpPr>
+        <p:spPr>
+          <a:xfrm>
+            <a:off x="2049553" y="3174189"/>
+            <a:ext cx="2425567" cy="789272"/>
+          </a:xfrm>
+          <a:prstGeom prst="diamond">
+            <a:avLst/>
+          </a:prstGeom>
+          <a:solidFill>
+            <a:schemeClr val="accent3"/>
+          </a:solidFill>
+          <a:ln>
+            <a:noFill/>
+          </a:ln>
+        </p:spPr>
+        <p:style>
+          <a:lnRef idx="2">
+            <a:schemeClr val="accent1">
+              <a:shade val="50000"/>
+            </a:schemeClr>
+          </a:lnRef>
+          <a:fillRef idx="1">
+            <a:schemeClr val="accent1"/>
+          </a:fillRef>
+          <a:effectRef idx="0">
+            <a:schemeClr val="accent1"/>
+          </a:effectRef>
+          <a:fontRef idx="minor">
+            <a:schemeClr val="lt1"/>
+          </a:fontRef>
+        </p:style>
+        <p:txBody>
+          <a:bodyPr rtlCol="0" anchor="ctr"/>
+          <a:lstStyle/>
+          <a:p>
+            <a:pPr algn="ctr"/>
+            <a:endParaRPr lang="en-US"/>
+          </a:p>
+        </p:txBody>
+      </p:sp>
+      <p:sp>
+        <p:nvSpPr>
+          <p:cNvPr id="20" name="TextBox 19">
+            <a:extLst>
+              <a:ext uri="{FF2B5EF4-FFF2-40B4-BE49-F238E27FC236}">
+                <a16:creationId xmlns:a16="http://schemas.microsoft.com/office/drawing/2014/main" id="{7A88567A-4E76-C542-9360-3D071EE838D4}"/>
+              </a:ext>
+            </a:extLst>
+          </p:cNvPr>
+          <p:cNvSpPr txBox="1"/>
+          <p:nvPr/>
+        </p:nvSpPr>
+        <p:spPr>
+          <a:xfrm>
+            <a:off x="2475832" y="3368770"/>
+            <a:ext cx="1604927" cy="400110"/>
+          </a:xfrm>
+          <a:prstGeom prst="rect">
+            <a:avLst/>
+          </a:prstGeom>
+          <a:noFill/>
+        </p:spPr>
+        <p:txBody>
+          <a:bodyPr wrap="none" rtlCol="0">
+            <a:spAutoFit/>
+          </a:bodyPr>
+          <a:lstStyle/>
+          <a:p>
+            <a:r>
+              <a:rPr lang="en-US" altLang="ja-JP" sz="2000" b="1" dirty="0">
+                <a:solidFill>
+                  <a:schemeClr val="bg1"/>
+                </a:solidFill>
+                <a:latin typeface="Yu Gothic" panose="020B0400000000000000" pitchFamily="34" charset="-128"/>
+                <a:ea typeface="Yu Gothic" panose="020B0400000000000000" pitchFamily="34" charset="-128"/>
+              </a:rPr>
+              <a:t>elif</a:t>
+            </a:r>
+            <a:r>
+              <a:rPr lang="ja-JP" altLang="en-US" sz="2000" b="1" dirty="0">
+                <a:solidFill>
+                  <a:schemeClr val="bg1"/>
+                </a:solidFill>
+                <a:latin typeface="Yu Gothic" panose="020B0400000000000000" pitchFamily="34" charset="-128"/>
+                <a:ea typeface="Yu Gothic" panose="020B0400000000000000" pitchFamily="34" charset="-128"/>
+              </a:rPr>
+              <a:t>の条件式</a:t>
+            </a:r>
+            <a:endParaRPr lang="en-US" sz="2000" b="1" dirty="0">
+              <a:solidFill>
+                <a:schemeClr val="bg1"/>
+              </a:solidFill>
+              <a:latin typeface="Yu Gothic" panose="020B0400000000000000" pitchFamily="34" charset="-128"/>
+              <a:ea typeface="Yu Gothic" panose="020B0400000000000000" pitchFamily="34" charset="-128"/>
+            </a:endParaRPr>
+          </a:p>
+        </p:txBody>
+      </p:sp>
+      <p:cxnSp>
+        <p:nvCxnSpPr>
+          <p:cNvPr id="23" name="Straight Arrow Connector 22">
+            <a:extLst>
+              <a:ext uri="{FF2B5EF4-FFF2-40B4-BE49-F238E27FC236}">
+                <a16:creationId xmlns:a16="http://schemas.microsoft.com/office/drawing/2014/main" id="{D1145985-8BF1-414B-A846-835F50A3B3B6}"/>
+              </a:ext>
+            </a:extLst>
+          </p:cNvPr>
+          <p:cNvCxnSpPr>
+            <a:cxnSpLocks/>
+          </p:cNvCxnSpPr>
+          <p:nvPr/>
+        </p:nvCxnSpPr>
+        <p:spPr>
+          <a:xfrm flipV="1">
+            <a:off x="4715814" y="3578214"/>
+            <a:ext cx="901389" cy="1"/>
+          </a:xfrm>
+          <a:prstGeom prst="straightConnector1">
+            <a:avLst/>
+          </a:prstGeom>
+          <a:ln w="76200">
+            <a:solidFill>
+              <a:schemeClr val="tx1"/>
+            </a:solidFill>
+            <a:tailEnd type="triangle"/>
+          </a:ln>
+        </p:spPr>
+        <p:style>
+          <a:lnRef idx="1">
+            <a:schemeClr val="accent1"/>
+          </a:lnRef>
+          <a:fillRef idx="0">
+            <a:schemeClr val="accent1"/>
+          </a:fillRef>
+          <a:effectRef idx="0">
+            <a:schemeClr val="accent1"/>
+          </a:effectRef>
+          <a:fontRef idx="minor">
+            <a:schemeClr val="tx1"/>
+          </a:fontRef>
+        </p:style>
+      </p:cxnSp>
+      <p:sp>
+        <p:nvSpPr>
+          <p:cNvPr id="24" name="TextBox 23">
+            <a:extLst>
+              <a:ext uri="{FF2B5EF4-FFF2-40B4-BE49-F238E27FC236}">
+                <a16:creationId xmlns:a16="http://schemas.microsoft.com/office/drawing/2014/main" id="{D7492D4E-57CA-A343-9A0F-62EF38016204}"/>
+              </a:ext>
+            </a:extLst>
+          </p:cNvPr>
+          <p:cNvSpPr txBox="1"/>
+          <p:nvPr/>
+        </p:nvSpPr>
+        <p:spPr>
+          <a:xfrm>
+            <a:off x="4715814" y="2974811"/>
+            <a:ext cx="878767" cy="461665"/>
+          </a:xfrm>
+          <a:prstGeom prst="rect">
+            <a:avLst/>
+          </a:prstGeom>
+          <a:noFill/>
+        </p:spPr>
+        <p:txBody>
+          <a:bodyPr wrap="none" rtlCol="0">
+            <a:spAutoFit/>
+          </a:bodyPr>
+          <a:lstStyle/>
+          <a:p>
+            <a:r>
+              <a:rPr lang="en-US" sz="2400" b="1" dirty="0">
+                <a:latin typeface="Yu Gothic" panose="020B0400000000000000" pitchFamily="34" charset="-128"/>
+                <a:ea typeface="Yu Gothic" panose="020B0400000000000000" pitchFamily="34" charset="-128"/>
+              </a:rPr>
+              <a:t>True</a:t>
+            </a:r>
+          </a:p>
+        </p:txBody>
+      </p:sp>
+      <p:cxnSp>
+        <p:nvCxnSpPr>
+          <p:cNvPr id="25" name="Straight Connector 24">
+            <a:extLst>
+              <a:ext uri="{FF2B5EF4-FFF2-40B4-BE49-F238E27FC236}">
+                <a16:creationId xmlns:a16="http://schemas.microsoft.com/office/drawing/2014/main" id="{62909219-1E6A-B14E-8F84-9E78D7670B34}"/>
+              </a:ext>
+            </a:extLst>
+          </p:cNvPr>
+          <p:cNvCxnSpPr>
+            <a:cxnSpLocks/>
+          </p:cNvCxnSpPr>
+          <p:nvPr/>
+        </p:nvCxnSpPr>
+        <p:spPr>
+          <a:xfrm>
+            <a:off x="3257247" y="4181288"/>
+            <a:ext cx="0" cy="1086035"/>
+          </a:xfrm>
+          <a:prstGeom prst="line">
+            <a:avLst/>
+          </a:prstGeom>
+          <a:ln w="76200">
+            <a:solidFill>
+              <a:schemeClr val="tx1"/>
+            </a:solidFill>
+          </a:ln>
+        </p:spPr>
+        <p:style>
+          <a:lnRef idx="1">
+            <a:schemeClr val="accent1"/>
+          </a:lnRef>
+          <a:fillRef idx="0">
+            <a:schemeClr val="accent1"/>
+          </a:fillRef>
+          <a:effectRef idx="0">
+            <a:schemeClr val="accent1"/>
+          </a:effectRef>
+          <a:fontRef idx="minor">
+            <a:schemeClr val="tx1"/>
+          </a:fontRef>
+        </p:style>
+      </p:cxnSp>
+      <p:sp>
+        <p:nvSpPr>
+          <p:cNvPr id="28" name="Rectangle 27">
+            <a:extLst>
+              <a:ext uri="{FF2B5EF4-FFF2-40B4-BE49-F238E27FC236}">
+                <a16:creationId xmlns:a16="http://schemas.microsoft.com/office/drawing/2014/main" id="{F7A9020E-D609-BB4B-93B9-2B434745F8B0}"/>
+              </a:ext>
+            </a:extLst>
+          </p:cNvPr>
+          <p:cNvSpPr/>
+          <p:nvPr/>
+        </p:nvSpPr>
+        <p:spPr>
+          <a:xfrm>
+            <a:off x="5857897" y="4865376"/>
+            <a:ext cx="2665680" cy="702644"/>
+          </a:xfrm>
+          <a:prstGeom prst="rect">
+            <a:avLst/>
+          </a:prstGeom>
+          <a:ln>
+            <a:noFill/>
+          </a:ln>
+        </p:spPr>
+        <p:style>
+          <a:lnRef idx="2">
+            <a:schemeClr val="accent1">
+              <a:shade val="50000"/>
+            </a:schemeClr>
+          </a:lnRef>
+          <a:fillRef idx="1">
+            <a:schemeClr val="accent1"/>
+          </a:fillRef>
+          <a:effectRef idx="0">
+            <a:schemeClr val="accent1"/>
+          </a:effectRef>
+          <a:fontRef idx="minor">
+            <a:schemeClr val="lt1"/>
+          </a:fontRef>
+        </p:style>
+        <p:txBody>
+          <a:bodyPr rtlCol="0" anchor="ctr"/>
+          <a:lstStyle/>
+          <a:p>
+            <a:pPr algn="ctr"/>
+            <a:endParaRPr lang="en-US"/>
+          </a:p>
+        </p:txBody>
+      </p:sp>
+      <p:sp>
+        <p:nvSpPr>
+          <p:cNvPr id="29" name="TextBox 28">
+            <a:extLst>
+              <a:ext uri="{FF2B5EF4-FFF2-40B4-BE49-F238E27FC236}">
+                <a16:creationId xmlns:a16="http://schemas.microsoft.com/office/drawing/2014/main" id="{004A0E39-1F2D-C448-A0D6-58242FBA8FE3}"/>
+              </a:ext>
+            </a:extLst>
+          </p:cNvPr>
+          <p:cNvSpPr txBox="1"/>
+          <p:nvPr/>
+        </p:nvSpPr>
+        <p:spPr>
+          <a:xfrm>
+            <a:off x="5953643" y="5063407"/>
+            <a:ext cx="2492990" cy="369332"/>
+          </a:xfrm>
+          <a:prstGeom prst="rect">
+            <a:avLst/>
+          </a:prstGeom>
+          <a:noFill/>
+        </p:spPr>
+        <p:txBody>
+          <a:bodyPr wrap="none" rtlCol="0">
+            <a:spAutoFit/>
+          </a:bodyPr>
+          <a:lstStyle/>
+          <a:p>
+            <a:r>
+              <a:rPr lang="en-US" b="1" dirty="0">
+                <a:solidFill>
+                  <a:schemeClr val="bg1"/>
+                </a:solidFill>
+                <a:latin typeface="Yu Gothic" panose="020B0400000000000000" pitchFamily="34" charset="-128"/>
+                <a:ea typeface="Yu Gothic" panose="020B0400000000000000" pitchFamily="34" charset="-128"/>
+              </a:rPr>
+              <a:t>else</a:t>
+            </a:r>
+            <a:r>
+              <a:rPr lang="ja-JP" altLang="en-US" b="1" dirty="0">
+                <a:solidFill>
+                  <a:schemeClr val="bg1"/>
+                </a:solidFill>
+                <a:latin typeface="Yu Gothic" panose="020B0400000000000000" pitchFamily="34" charset="-128"/>
+                <a:ea typeface="Yu Gothic" panose="020B0400000000000000" pitchFamily="34" charset="-128"/>
+              </a:rPr>
+              <a:t>のコードブロック</a:t>
+            </a:r>
+            <a:endParaRPr lang="en-US" b="1" dirty="0">
+              <a:solidFill>
+                <a:schemeClr val="bg1"/>
+              </a:solidFill>
+              <a:latin typeface="Yu Gothic" panose="020B0400000000000000" pitchFamily="34" charset="-128"/>
+              <a:ea typeface="Yu Gothic" panose="020B0400000000000000" pitchFamily="34" charset="-128"/>
+            </a:endParaRPr>
+          </a:p>
+        </p:txBody>
+      </p:sp>
+      <p:cxnSp>
+        <p:nvCxnSpPr>
+          <p:cNvPr id="31" name="Straight Connector 30">
+            <a:extLst>
+              <a:ext uri="{FF2B5EF4-FFF2-40B4-BE49-F238E27FC236}">
+                <a16:creationId xmlns:a16="http://schemas.microsoft.com/office/drawing/2014/main" id="{7925F17E-298B-B349-BCC8-A79CD0355B9E}"/>
+              </a:ext>
+            </a:extLst>
+          </p:cNvPr>
+          <p:cNvCxnSpPr>
+            <a:cxnSpLocks/>
+          </p:cNvCxnSpPr>
+          <p:nvPr/>
+        </p:nvCxnSpPr>
+        <p:spPr>
+          <a:xfrm>
+            <a:off x="9364324" y="1842376"/>
+            <a:ext cx="0" cy="3449503"/>
+          </a:xfrm>
+          <a:prstGeom prst="line">
+            <a:avLst/>
+          </a:prstGeom>
+          <a:ln w="76200">
+            <a:solidFill>
+              <a:schemeClr val="tx1"/>
+            </a:solidFill>
+          </a:ln>
+        </p:spPr>
+        <p:style>
+          <a:lnRef idx="1">
+            <a:schemeClr val="accent1"/>
+          </a:lnRef>
+          <a:fillRef idx="0">
+            <a:schemeClr val="accent1"/>
+          </a:fillRef>
+          <a:effectRef idx="0">
+            <a:schemeClr val="accent1"/>
+          </a:effectRef>
+          <a:fontRef idx="minor">
+            <a:schemeClr val="tx1"/>
+          </a:fontRef>
+        </p:style>
+      </p:cxnSp>
+      <p:cxnSp>
+        <p:nvCxnSpPr>
+          <p:cNvPr id="33" name="Straight Connector 32">
+            <a:extLst>
+              <a:ext uri="{FF2B5EF4-FFF2-40B4-BE49-F238E27FC236}">
+                <a16:creationId xmlns:a16="http://schemas.microsoft.com/office/drawing/2014/main" id="{04796127-7A4C-BA43-AAC5-95258BF5D0B4}"/>
+              </a:ext>
+            </a:extLst>
+          </p:cNvPr>
+          <p:cNvCxnSpPr>
+            <a:cxnSpLocks/>
+          </p:cNvCxnSpPr>
+          <p:nvPr/>
+        </p:nvCxnSpPr>
+        <p:spPr>
+          <a:xfrm flipH="1">
+            <a:off x="8809819" y="1851084"/>
+            <a:ext cx="593005" cy="0"/>
+          </a:xfrm>
+          <a:prstGeom prst="line">
+            <a:avLst/>
+          </a:prstGeom>
+          <a:ln w="76200">
+            <a:solidFill>
+              <a:schemeClr val="tx1"/>
+            </a:solidFill>
+          </a:ln>
+        </p:spPr>
+        <p:style>
+          <a:lnRef idx="1">
+            <a:schemeClr val="accent1"/>
+          </a:lnRef>
+          <a:fillRef idx="0">
+            <a:schemeClr val="accent1"/>
+          </a:fillRef>
+          <a:effectRef idx="0">
+            <a:schemeClr val="accent1"/>
+          </a:effectRef>
+          <a:fontRef idx="minor">
+            <a:schemeClr val="tx1"/>
+          </a:fontRef>
+        </p:style>
+      </p:cxnSp>
+      <p:cxnSp>
+        <p:nvCxnSpPr>
+          <p:cNvPr id="39" name="Straight Connector 38">
+            <a:extLst>
+              <a:ext uri="{FF2B5EF4-FFF2-40B4-BE49-F238E27FC236}">
+                <a16:creationId xmlns:a16="http://schemas.microsoft.com/office/drawing/2014/main" id="{E8320441-1052-7E4F-A9A3-4683C6144D90}"/>
+              </a:ext>
+            </a:extLst>
+          </p:cNvPr>
+          <p:cNvCxnSpPr>
+            <a:cxnSpLocks/>
+          </p:cNvCxnSpPr>
+          <p:nvPr/>
+        </p:nvCxnSpPr>
+        <p:spPr>
+          <a:xfrm flipH="1">
+            <a:off x="8809819" y="5291879"/>
+            <a:ext cx="593005" cy="0"/>
+          </a:xfrm>
+          <a:prstGeom prst="line">
+            <a:avLst/>
+          </a:prstGeom>
+          <a:ln w="76200">
+            <a:solidFill>
+              <a:schemeClr val="tx1"/>
+            </a:solidFill>
+          </a:ln>
+        </p:spPr>
+        <p:style>
+          <a:lnRef idx="1">
+            <a:schemeClr val="accent1"/>
+          </a:lnRef>
+          <a:fillRef idx="0">
+            <a:schemeClr val="accent1"/>
+          </a:fillRef>
+          <a:effectRef idx="0">
+            <a:schemeClr val="accent1"/>
+          </a:effectRef>
+          <a:fontRef idx="minor">
+            <a:schemeClr val="tx1"/>
+          </a:fontRef>
+        </p:style>
+      </p:cxnSp>
+      <p:sp>
+        <p:nvSpPr>
+          <p:cNvPr id="46" name="TextBox 45">
+            <a:extLst>
+              <a:ext uri="{FF2B5EF4-FFF2-40B4-BE49-F238E27FC236}">
+                <a16:creationId xmlns:a16="http://schemas.microsoft.com/office/drawing/2014/main" id="{C077B6E6-43D2-604F-BAB0-7BB03B65DC2F}"/>
+              </a:ext>
+            </a:extLst>
+          </p:cNvPr>
+          <p:cNvSpPr txBox="1"/>
+          <p:nvPr/>
+        </p:nvSpPr>
+        <p:spPr>
+          <a:xfrm>
+            <a:off x="3456298" y="4755033"/>
+            <a:ext cx="992579" cy="461665"/>
+          </a:xfrm>
+          <a:prstGeom prst="rect">
+            <a:avLst/>
+          </a:prstGeom>
+          <a:noFill/>
+        </p:spPr>
+        <p:txBody>
+          <a:bodyPr wrap="none" rtlCol="0">
+            <a:spAutoFit/>
+          </a:bodyPr>
+          <a:lstStyle/>
+          <a:p>
+            <a:r>
+              <a:rPr lang="en-US" sz="2400" b="1" dirty="0">
+                <a:latin typeface="Yu Gothic" panose="020B0400000000000000" pitchFamily="34" charset="-128"/>
+                <a:ea typeface="Yu Gothic" panose="020B0400000000000000" pitchFamily="34" charset="-128"/>
+              </a:rPr>
+              <a:t>False</a:t>
+            </a:r>
+          </a:p>
+        </p:txBody>
+      </p:sp>
+    </p:spTree>
+    <p:extLst>
+      <p:ext uri="{BB962C8B-B14F-4D97-AF65-F5344CB8AC3E}">
+        <p14:creationId xmlns:p14="http://schemas.microsoft.com/office/powerpoint/2010/main" val="3773248097"/>
+      </p:ext>
+    </p:extLst>
+  </p:cSld>
+  <p:clrMapOvr>
+    <a:masterClrMapping/>
+  </p:clrMapOvr>
+</p:sld>
+</file>
+
 <file path=ppt/theme/theme1.xml><?xml version="1.0" encoding="utf-8"?>
 <a:theme xmlns:a="http://schemas.openxmlformats.org/drawingml/2006/main" name="Office Theme">
   <a:themeElements>
